--- a/doc/newHeatingLogic.pptx
+++ b/doc/newHeatingLogic.pptx
@@ -104,6 +104,22 @@
       </a:defRPr>
     </a:lvl9pPr>
   </p:defaultTextStyle>
+  <p:extLst>
+    <p:ext uri="{EFAFB233-063F-42B5-8137-9DF3F51BA10A}">
+      <p15:sldGuideLst xmlns:p15="http://schemas.microsoft.com/office/powerpoint/2012/main">
+        <p15:guide id="1" orient="horz" pos="2160">
+          <p15:clr>
+            <a:srgbClr val="A4A3A4"/>
+          </p15:clr>
+        </p15:guide>
+        <p15:guide id="2" pos="2880">
+          <p15:clr>
+            <a:srgbClr val="A4A3A4"/>
+          </p15:clr>
+        </p15:guide>
+      </p15:sldGuideLst>
+    </p:ext>
+  </p:extLst>
 </p:presentation>
 </file>
 
@@ -145,10 +161,9 @@
           <a:lstStyle/>
           <a:p>
             <a:r>
-              <a:rPr lang="en-US" smtClean="0"/>
+              <a:rPr lang="en-US"/>
               <a:t>Click to edit Master title style</a:t>
             </a:r>
-            <a:endParaRPr lang="en-US"/>
           </a:p>
         </p:txBody>
       </p:sp>
@@ -264,10 +279,9 @@
           </a:lstStyle>
           <a:p>
             <a:r>
-              <a:rPr lang="en-US" smtClean="0"/>
+              <a:rPr lang="en-US"/>
               <a:t>Click to edit Master subtitle style</a:t>
             </a:r>
-            <a:endParaRPr lang="en-US"/>
           </a:p>
         </p:txBody>
       </p:sp>
@@ -288,7 +302,7 @@
           <a:p>
             <a:fld id="{16D24FFA-7EA2-4A26-BD0A-D95AA635ED47}" type="datetimeFigureOut">
               <a:rPr lang="en-US" smtClean="0"/>
-              <a:t>3/9/2016</a:t>
+              <a:t>10/7/2020</a:t>
             </a:fld>
             <a:endParaRPr lang="en-US"/>
           </a:p>
@@ -382,10 +396,9 @@
           <a:lstStyle/>
           <a:p>
             <a:r>
-              <a:rPr lang="en-US" smtClean="0"/>
+              <a:rPr lang="en-US"/>
               <a:t>Click to edit Master title style</a:t>
             </a:r>
-            <a:endParaRPr lang="en-US"/>
           </a:p>
         </p:txBody>
       </p:sp>
@@ -406,38 +419,37 @@
           <a:p>
             <a:pPr lvl="0"/>
             <a:r>
-              <a:rPr lang="en-US" smtClean="0"/>
+              <a:rPr lang="en-US"/>
               <a:t>Click to edit Master text styles</a:t>
             </a:r>
           </a:p>
           <a:p>
             <a:pPr lvl="1"/>
             <a:r>
-              <a:rPr lang="en-US" smtClean="0"/>
+              <a:rPr lang="en-US"/>
               <a:t>Second level</a:t>
             </a:r>
           </a:p>
           <a:p>
             <a:pPr lvl="2"/>
             <a:r>
-              <a:rPr lang="en-US" smtClean="0"/>
+              <a:rPr lang="en-US"/>
               <a:t>Third level</a:t>
             </a:r>
           </a:p>
           <a:p>
             <a:pPr lvl="3"/>
             <a:r>
-              <a:rPr lang="en-US" smtClean="0"/>
+              <a:rPr lang="en-US"/>
               <a:t>Fourth level</a:t>
             </a:r>
           </a:p>
           <a:p>
             <a:pPr lvl="4"/>
             <a:r>
-              <a:rPr lang="en-US" smtClean="0"/>
+              <a:rPr lang="en-US"/>
               <a:t>Fifth level</a:t>
             </a:r>
-            <a:endParaRPr lang="en-US"/>
           </a:p>
         </p:txBody>
       </p:sp>
@@ -458,7 +470,7 @@
           <a:p>
             <a:fld id="{16D24FFA-7EA2-4A26-BD0A-D95AA635ED47}" type="datetimeFigureOut">
               <a:rPr lang="en-US" smtClean="0"/>
-              <a:t>3/9/2016</a:t>
+              <a:t>10/7/2020</a:t>
             </a:fld>
             <a:endParaRPr lang="en-US"/>
           </a:p>
@@ -557,10 +569,9 @@
           <a:lstStyle/>
           <a:p>
             <a:r>
-              <a:rPr lang="en-US" smtClean="0"/>
+              <a:rPr lang="en-US"/>
               <a:t>Click to edit Master title style</a:t>
             </a:r>
-            <a:endParaRPr lang="en-US"/>
           </a:p>
         </p:txBody>
       </p:sp>
@@ -586,38 +597,37 @@
           <a:p>
             <a:pPr lvl="0"/>
             <a:r>
-              <a:rPr lang="en-US" smtClean="0"/>
+              <a:rPr lang="en-US"/>
               <a:t>Click to edit Master text styles</a:t>
             </a:r>
           </a:p>
           <a:p>
             <a:pPr lvl="1"/>
             <a:r>
-              <a:rPr lang="en-US" smtClean="0"/>
+              <a:rPr lang="en-US"/>
               <a:t>Second level</a:t>
             </a:r>
           </a:p>
           <a:p>
             <a:pPr lvl="2"/>
             <a:r>
-              <a:rPr lang="en-US" smtClean="0"/>
+              <a:rPr lang="en-US"/>
               <a:t>Third level</a:t>
             </a:r>
           </a:p>
           <a:p>
             <a:pPr lvl="3"/>
             <a:r>
-              <a:rPr lang="en-US" smtClean="0"/>
+              <a:rPr lang="en-US"/>
               <a:t>Fourth level</a:t>
             </a:r>
           </a:p>
           <a:p>
             <a:pPr lvl="4"/>
             <a:r>
-              <a:rPr lang="en-US" smtClean="0"/>
+              <a:rPr lang="en-US"/>
               <a:t>Fifth level</a:t>
             </a:r>
-            <a:endParaRPr lang="en-US"/>
           </a:p>
         </p:txBody>
       </p:sp>
@@ -638,7 +648,7 @@
           <a:p>
             <a:fld id="{16D24FFA-7EA2-4A26-BD0A-D95AA635ED47}" type="datetimeFigureOut">
               <a:rPr lang="en-US" smtClean="0"/>
-              <a:t>3/9/2016</a:t>
+              <a:t>10/7/2020</a:t>
             </a:fld>
             <a:endParaRPr lang="en-US"/>
           </a:p>
@@ -732,10 +742,9 @@
           <a:lstStyle/>
           <a:p>
             <a:r>
-              <a:rPr lang="en-US" smtClean="0"/>
+              <a:rPr lang="en-US"/>
               <a:t>Click to edit Master title style</a:t>
             </a:r>
-            <a:endParaRPr lang="en-US"/>
           </a:p>
         </p:txBody>
       </p:sp>
@@ -756,38 +765,37 @@
           <a:p>
             <a:pPr lvl="0"/>
             <a:r>
-              <a:rPr lang="en-US" smtClean="0"/>
+              <a:rPr lang="en-US"/>
               <a:t>Click to edit Master text styles</a:t>
             </a:r>
           </a:p>
           <a:p>
             <a:pPr lvl="1"/>
             <a:r>
-              <a:rPr lang="en-US" smtClean="0"/>
+              <a:rPr lang="en-US"/>
               <a:t>Second level</a:t>
             </a:r>
           </a:p>
           <a:p>
             <a:pPr lvl="2"/>
             <a:r>
-              <a:rPr lang="en-US" smtClean="0"/>
+              <a:rPr lang="en-US"/>
               <a:t>Third level</a:t>
             </a:r>
           </a:p>
           <a:p>
             <a:pPr lvl="3"/>
             <a:r>
-              <a:rPr lang="en-US" smtClean="0"/>
+              <a:rPr lang="en-US"/>
               <a:t>Fourth level</a:t>
             </a:r>
           </a:p>
           <a:p>
             <a:pPr lvl="4"/>
             <a:r>
-              <a:rPr lang="en-US" smtClean="0"/>
+              <a:rPr lang="en-US"/>
               <a:t>Fifth level</a:t>
             </a:r>
-            <a:endParaRPr lang="en-US"/>
           </a:p>
         </p:txBody>
       </p:sp>
@@ -808,7 +816,7 @@
           <a:p>
             <a:fld id="{16D24FFA-7EA2-4A26-BD0A-D95AA635ED47}" type="datetimeFigureOut">
               <a:rPr lang="en-US" smtClean="0"/>
-              <a:t>3/9/2016</a:t>
+              <a:t>10/7/2020</a:t>
             </a:fld>
             <a:endParaRPr lang="en-US"/>
           </a:p>
@@ -911,10 +919,9 @@
           </a:lstStyle>
           <a:p>
             <a:r>
-              <a:rPr lang="en-US" smtClean="0"/>
+              <a:rPr lang="en-US"/>
               <a:t>Click to edit Master title style</a:t>
             </a:r>
-            <a:endParaRPr lang="en-US"/>
           </a:p>
         </p:txBody>
       </p:sp>
@@ -1031,7 +1038,7 @@
           <a:p>
             <a:pPr lvl="0"/>
             <a:r>
-              <a:rPr lang="en-US" smtClean="0"/>
+              <a:rPr lang="en-US"/>
               <a:t>Click to edit Master text styles</a:t>
             </a:r>
           </a:p>
@@ -1054,7 +1061,7 @@
           <a:p>
             <a:fld id="{16D24FFA-7EA2-4A26-BD0A-D95AA635ED47}" type="datetimeFigureOut">
               <a:rPr lang="en-US" smtClean="0"/>
-              <a:t>3/9/2016</a:t>
+              <a:t>10/7/2020</a:t>
             </a:fld>
             <a:endParaRPr lang="en-US"/>
           </a:p>
@@ -1148,10 +1155,9 @@
           <a:lstStyle/>
           <a:p>
             <a:r>
-              <a:rPr lang="en-US" smtClean="0"/>
+              <a:rPr lang="en-US"/>
               <a:t>Click to edit Master title style</a:t>
             </a:r>
-            <a:endParaRPr lang="en-US"/>
           </a:p>
         </p:txBody>
       </p:sp>
@@ -1205,38 +1211,37 @@
           <a:p>
             <a:pPr lvl="0"/>
             <a:r>
-              <a:rPr lang="en-US" smtClean="0"/>
+              <a:rPr lang="en-US"/>
               <a:t>Click to edit Master text styles</a:t>
             </a:r>
           </a:p>
           <a:p>
             <a:pPr lvl="1"/>
             <a:r>
-              <a:rPr lang="en-US" smtClean="0"/>
+              <a:rPr lang="en-US"/>
               <a:t>Second level</a:t>
             </a:r>
           </a:p>
           <a:p>
             <a:pPr lvl="2"/>
             <a:r>
-              <a:rPr lang="en-US" smtClean="0"/>
+              <a:rPr lang="en-US"/>
               <a:t>Third level</a:t>
             </a:r>
           </a:p>
           <a:p>
             <a:pPr lvl="3"/>
             <a:r>
-              <a:rPr lang="en-US" smtClean="0"/>
+              <a:rPr lang="en-US"/>
               <a:t>Fourth level</a:t>
             </a:r>
           </a:p>
           <a:p>
             <a:pPr lvl="4"/>
             <a:r>
-              <a:rPr lang="en-US" smtClean="0"/>
+              <a:rPr lang="en-US"/>
               <a:t>Fifth level</a:t>
             </a:r>
-            <a:endParaRPr lang="en-US"/>
           </a:p>
         </p:txBody>
       </p:sp>
@@ -1290,38 +1295,37 @@
           <a:p>
             <a:pPr lvl="0"/>
             <a:r>
-              <a:rPr lang="en-US" smtClean="0"/>
+              <a:rPr lang="en-US"/>
               <a:t>Click to edit Master text styles</a:t>
             </a:r>
           </a:p>
           <a:p>
             <a:pPr lvl="1"/>
             <a:r>
-              <a:rPr lang="en-US" smtClean="0"/>
+              <a:rPr lang="en-US"/>
               <a:t>Second level</a:t>
             </a:r>
           </a:p>
           <a:p>
             <a:pPr lvl="2"/>
             <a:r>
-              <a:rPr lang="en-US" smtClean="0"/>
+              <a:rPr lang="en-US"/>
               <a:t>Third level</a:t>
             </a:r>
           </a:p>
           <a:p>
             <a:pPr lvl="3"/>
             <a:r>
-              <a:rPr lang="en-US" smtClean="0"/>
+              <a:rPr lang="en-US"/>
               <a:t>Fourth level</a:t>
             </a:r>
           </a:p>
           <a:p>
             <a:pPr lvl="4"/>
             <a:r>
-              <a:rPr lang="en-US" smtClean="0"/>
+              <a:rPr lang="en-US"/>
               <a:t>Fifth level</a:t>
             </a:r>
-            <a:endParaRPr lang="en-US"/>
           </a:p>
         </p:txBody>
       </p:sp>
@@ -1342,7 +1346,7 @@
           <a:p>
             <a:fld id="{16D24FFA-7EA2-4A26-BD0A-D95AA635ED47}" type="datetimeFigureOut">
               <a:rPr lang="en-US" smtClean="0"/>
-              <a:t>3/9/2016</a:t>
+              <a:t>10/7/2020</a:t>
             </a:fld>
             <a:endParaRPr lang="en-US"/>
           </a:p>
@@ -1440,10 +1444,9 @@
           </a:lstStyle>
           <a:p>
             <a:r>
-              <a:rPr lang="en-US" smtClean="0"/>
+              <a:rPr lang="en-US"/>
               <a:t>Click to edit Master title style</a:t>
             </a:r>
-            <a:endParaRPr lang="en-US"/>
           </a:p>
         </p:txBody>
       </p:sp>
@@ -1506,7 +1509,7 @@
           <a:p>
             <a:pPr lvl="0"/>
             <a:r>
-              <a:rPr lang="en-US" smtClean="0"/>
+              <a:rPr lang="en-US"/>
               <a:t>Click to edit Master text styles</a:t>
             </a:r>
           </a:p>
@@ -1562,38 +1565,37 @@
           <a:p>
             <a:pPr lvl="0"/>
             <a:r>
-              <a:rPr lang="en-US" smtClean="0"/>
+              <a:rPr lang="en-US"/>
               <a:t>Click to edit Master text styles</a:t>
             </a:r>
           </a:p>
           <a:p>
             <a:pPr lvl="1"/>
             <a:r>
-              <a:rPr lang="en-US" smtClean="0"/>
+              <a:rPr lang="en-US"/>
               <a:t>Second level</a:t>
             </a:r>
           </a:p>
           <a:p>
             <a:pPr lvl="2"/>
             <a:r>
-              <a:rPr lang="en-US" smtClean="0"/>
+              <a:rPr lang="en-US"/>
               <a:t>Third level</a:t>
             </a:r>
           </a:p>
           <a:p>
             <a:pPr lvl="3"/>
             <a:r>
-              <a:rPr lang="en-US" smtClean="0"/>
+              <a:rPr lang="en-US"/>
               <a:t>Fourth level</a:t>
             </a:r>
           </a:p>
           <a:p>
             <a:pPr lvl="4"/>
             <a:r>
-              <a:rPr lang="en-US" smtClean="0"/>
+              <a:rPr lang="en-US"/>
               <a:t>Fifth level</a:t>
             </a:r>
-            <a:endParaRPr lang="en-US"/>
           </a:p>
         </p:txBody>
       </p:sp>
@@ -1656,7 +1658,7 @@
           <a:p>
             <a:pPr lvl="0"/>
             <a:r>
-              <a:rPr lang="en-US" smtClean="0"/>
+              <a:rPr lang="en-US"/>
               <a:t>Click to edit Master text styles</a:t>
             </a:r>
           </a:p>
@@ -1712,38 +1714,37 @@
           <a:p>
             <a:pPr lvl="0"/>
             <a:r>
-              <a:rPr lang="en-US" smtClean="0"/>
+              <a:rPr lang="en-US"/>
               <a:t>Click to edit Master text styles</a:t>
             </a:r>
           </a:p>
           <a:p>
             <a:pPr lvl="1"/>
             <a:r>
-              <a:rPr lang="en-US" smtClean="0"/>
+              <a:rPr lang="en-US"/>
               <a:t>Second level</a:t>
             </a:r>
           </a:p>
           <a:p>
             <a:pPr lvl="2"/>
             <a:r>
-              <a:rPr lang="en-US" smtClean="0"/>
+              <a:rPr lang="en-US"/>
               <a:t>Third level</a:t>
             </a:r>
           </a:p>
           <a:p>
             <a:pPr lvl="3"/>
             <a:r>
-              <a:rPr lang="en-US" smtClean="0"/>
+              <a:rPr lang="en-US"/>
               <a:t>Fourth level</a:t>
             </a:r>
           </a:p>
           <a:p>
             <a:pPr lvl="4"/>
             <a:r>
-              <a:rPr lang="en-US" smtClean="0"/>
+              <a:rPr lang="en-US"/>
               <a:t>Fifth level</a:t>
             </a:r>
-            <a:endParaRPr lang="en-US"/>
           </a:p>
         </p:txBody>
       </p:sp>
@@ -1764,7 +1765,7 @@
           <a:p>
             <a:fld id="{16D24FFA-7EA2-4A26-BD0A-D95AA635ED47}" type="datetimeFigureOut">
               <a:rPr lang="en-US" smtClean="0"/>
-              <a:t>3/9/2016</a:t>
+              <a:t>10/7/2020</a:t>
             </a:fld>
             <a:endParaRPr lang="en-US"/>
           </a:p>
@@ -1858,10 +1859,9 @@
           <a:lstStyle/>
           <a:p>
             <a:r>
-              <a:rPr lang="en-US" smtClean="0"/>
+              <a:rPr lang="en-US"/>
               <a:t>Click to edit Master title style</a:t>
             </a:r>
-            <a:endParaRPr lang="en-US"/>
           </a:p>
         </p:txBody>
       </p:sp>
@@ -1882,7 +1882,7 @@
           <a:p>
             <a:fld id="{16D24FFA-7EA2-4A26-BD0A-D95AA635ED47}" type="datetimeFigureOut">
               <a:rPr lang="en-US" smtClean="0"/>
-              <a:t>3/9/2016</a:t>
+              <a:t>10/7/2020</a:t>
             </a:fld>
             <a:endParaRPr lang="en-US"/>
           </a:p>
@@ -1977,7 +1977,7 @@
           <a:p>
             <a:fld id="{16D24FFA-7EA2-4A26-BD0A-D95AA635ED47}" type="datetimeFigureOut">
               <a:rPr lang="en-US" smtClean="0"/>
-              <a:t>3/9/2016</a:t>
+              <a:t>10/7/2020</a:t>
             </a:fld>
             <a:endParaRPr lang="en-US"/>
           </a:p>
@@ -2080,10 +2080,9 @@
           </a:lstStyle>
           <a:p>
             <a:r>
-              <a:rPr lang="en-US" smtClean="0"/>
+              <a:rPr lang="en-US"/>
               <a:t>Click to edit Master title style</a:t>
             </a:r>
-            <a:endParaRPr lang="en-US"/>
           </a:p>
         </p:txBody>
       </p:sp>
@@ -2137,38 +2136,37 @@
           <a:p>
             <a:pPr lvl="0"/>
             <a:r>
-              <a:rPr lang="en-US" smtClean="0"/>
+              <a:rPr lang="en-US"/>
               <a:t>Click to edit Master text styles</a:t>
             </a:r>
           </a:p>
           <a:p>
             <a:pPr lvl="1"/>
             <a:r>
-              <a:rPr lang="en-US" smtClean="0"/>
+              <a:rPr lang="en-US"/>
               <a:t>Second level</a:t>
             </a:r>
           </a:p>
           <a:p>
             <a:pPr lvl="2"/>
             <a:r>
-              <a:rPr lang="en-US" smtClean="0"/>
+              <a:rPr lang="en-US"/>
               <a:t>Third level</a:t>
             </a:r>
           </a:p>
           <a:p>
             <a:pPr lvl="3"/>
             <a:r>
-              <a:rPr lang="en-US" smtClean="0"/>
+              <a:rPr lang="en-US"/>
               <a:t>Fourth level</a:t>
             </a:r>
           </a:p>
           <a:p>
             <a:pPr lvl="4"/>
             <a:r>
-              <a:rPr lang="en-US" smtClean="0"/>
+              <a:rPr lang="en-US"/>
               <a:t>Fifth level</a:t>
             </a:r>
-            <a:endParaRPr lang="en-US"/>
           </a:p>
         </p:txBody>
       </p:sp>
@@ -2231,7 +2229,7 @@
           <a:p>
             <a:pPr lvl="0"/>
             <a:r>
-              <a:rPr lang="en-US" smtClean="0"/>
+              <a:rPr lang="en-US"/>
               <a:t>Click to edit Master text styles</a:t>
             </a:r>
           </a:p>
@@ -2254,7 +2252,7 @@
           <a:p>
             <a:fld id="{16D24FFA-7EA2-4A26-BD0A-D95AA635ED47}" type="datetimeFigureOut">
               <a:rPr lang="en-US" smtClean="0"/>
-              <a:t>3/9/2016</a:t>
+              <a:t>10/7/2020</a:t>
             </a:fld>
             <a:endParaRPr lang="en-US"/>
           </a:p>
@@ -2357,10 +2355,9 @@
           </a:lstStyle>
           <a:p>
             <a:r>
-              <a:rPr lang="en-US" smtClean="0"/>
+              <a:rPr lang="en-US"/>
               <a:t>Click to edit Master title style</a:t>
             </a:r>
-            <a:endParaRPr lang="en-US"/>
           </a:p>
         </p:txBody>
       </p:sp>
@@ -2484,7 +2481,7 @@
           <a:p>
             <a:pPr lvl="0"/>
             <a:r>
-              <a:rPr lang="en-US" smtClean="0"/>
+              <a:rPr lang="en-US"/>
               <a:t>Click to edit Master text styles</a:t>
             </a:r>
           </a:p>
@@ -2507,7 +2504,7 @@
           <a:p>
             <a:fld id="{16D24FFA-7EA2-4A26-BD0A-D95AA635ED47}" type="datetimeFigureOut">
               <a:rPr lang="en-US" smtClean="0"/>
-              <a:t>3/9/2016</a:t>
+              <a:t>10/7/2020</a:t>
             </a:fld>
             <a:endParaRPr lang="en-US"/>
           </a:p>
@@ -2616,10 +2613,9 @@
           <a:lstStyle/>
           <a:p>
             <a:r>
-              <a:rPr lang="en-US" smtClean="0"/>
+              <a:rPr lang="en-US"/>
               <a:t>Click to edit Master title style</a:t>
             </a:r>
-            <a:endParaRPr lang="en-US"/>
           </a:p>
         </p:txBody>
       </p:sp>
@@ -2650,38 +2646,37 @@
           <a:p>
             <a:pPr lvl="0"/>
             <a:r>
-              <a:rPr lang="en-US" smtClean="0"/>
+              <a:rPr lang="en-US"/>
               <a:t>Click to edit Master text styles</a:t>
             </a:r>
           </a:p>
           <a:p>
             <a:pPr lvl="1"/>
             <a:r>
-              <a:rPr lang="en-US" smtClean="0"/>
+              <a:rPr lang="en-US"/>
               <a:t>Second level</a:t>
             </a:r>
           </a:p>
           <a:p>
             <a:pPr lvl="2"/>
             <a:r>
-              <a:rPr lang="en-US" smtClean="0"/>
+              <a:rPr lang="en-US"/>
               <a:t>Third level</a:t>
             </a:r>
           </a:p>
           <a:p>
             <a:pPr lvl="3"/>
             <a:r>
-              <a:rPr lang="en-US" smtClean="0"/>
+              <a:rPr lang="en-US"/>
               <a:t>Fourth level</a:t>
             </a:r>
           </a:p>
           <a:p>
             <a:pPr lvl="4"/>
             <a:r>
-              <a:rPr lang="en-US" smtClean="0"/>
+              <a:rPr lang="en-US"/>
               <a:t>Fifth level</a:t>
             </a:r>
-            <a:endParaRPr lang="en-US"/>
           </a:p>
         </p:txBody>
       </p:sp>
@@ -2720,7 +2715,7 @@
           <a:p>
             <a:fld id="{16D24FFA-7EA2-4A26-BD0A-D95AA635ED47}" type="datetimeFigureOut">
               <a:rPr lang="en-US" smtClean="0"/>
-              <a:t>3/9/2016</a:t>
+              <a:t>10/7/2020</a:t>
             </a:fld>
             <a:endParaRPr lang="en-US"/>
           </a:p>
@@ -3138,18 +3133,13 @@
           <a:p>
             <a:pPr algn="ctr"/>
             <a:r>
-              <a:rPr lang="en-US" dirty="0" smtClean="0">
+              <a:rPr lang="en-US" dirty="0">
                 <a:solidFill>
                   <a:schemeClr val="tx1"/>
                 </a:solidFill>
               </a:rPr>
               <a:t>Start</a:t>
             </a:r>
-            <a:endParaRPr lang="en-US" dirty="0">
-              <a:solidFill>
-                <a:schemeClr val="tx1"/>
-              </a:solidFill>
-            </a:endParaRPr>
           </a:p>
         </p:txBody>
       </p:sp>
@@ -3161,7 +3151,7 @@
         </p:nvSpPr>
         <p:spPr>
           <a:xfrm>
-            <a:off x="590550" y="5867400"/>
+            <a:off x="628650" y="6550115"/>
             <a:ext cx="990600" cy="304800"/>
           </a:xfrm>
           <a:prstGeom prst="flowChartTerminator">
@@ -3196,18 +3186,13 @@
           <a:p>
             <a:pPr algn="ctr"/>
             <a:r>
-              <a:rPr lang="en-US" dirty="0" smtClean="0">
+              <a:rPr lang="en-US" dirty="0">
                 <a:solidFill>
                   <a:schemeClr val="tx1"/>
                 </a:solidFill>
               </a:rPr>
               <a:t>End</a:t>
             </a:r>
-            <a:endParaRPr lang="en-US" dirty="0">
-              <a:solidFill>
-                <a:schemeClr val="tx1"/>
-              </a:solidFill>
-            </a:endParaRPr>
           </a:p>
         </p:txBody>
       </p:sp>
@@ -3304,7 +3289,7 @@
           <a:p>
             <a:pPr algn="ctr"/>
             <a:r>
-              <a:rPr lang="en-US" sz="1200" dirty="0" err="1" smtClean="0">
+              <a:rPr lang="en-US" sz="1200" dirty="0" err="1">
                 <a:solidFill>
                   <a:schemeClr val="tx1"/>
                 </a:solidFill>
@@ -3312,18 +3297,13 @@
               <a:t>i</a:t>
             </a:r>
             <a:r>
-              <a:rPr lang="en-US" sz="1200" dirty="0" smtClean="0">
+              <a:rPr lang="en-US" sz="1200" dirty="0">
                 <a:solidFill>
                   <a:schemeClr val="tx1"/>
                 </a:solidFill>
               </a:rPr>
               <a:t> = 0</a:t>
             </a:r>
-            <a:endParaRPr lang="en-US" sz="1200" dirty="0">
-              <a:solidFill>
-                <a:schemeClr val="tx1"/>
-              </a:solidFill>
-            </a:endParaRPr>
           </a:p>
         </p:txBody>
       </p:sp>
@@ -3352,14 +3332,10 @@
             <a:pPr algn="ctr"/>
             <a:r>
               <a:rPr lang="en-US" sz="900" dirty="0"/>
-              <a:t>i</a:t>
-            </a:r>
-            <a:r>
-              <a:rPr lang="en-US" sz="900" dirty="0" smtClean="0"/>
-              <a:t> &lt; number of </a:t>
-            </a:r>
-            <a:r>
-              <a:rPr lang="en-US" sz="900" dirty="0" err="1" smtClean="0">
+              <a:t>i &lt; number of </a:t>
+            </a:r>
+            <a:r>
+              <a:rPr lang="en-US" sz="900" dirty="0" err="1">
                 <a:cs typeface="Arial" panose="020B0604020202020204" pitchFamily="34" charset="0"/>
               </a:rPr>
               <a:t>HeatSources</a:t>
@@ -3491,14 +3467,15 @@
         <p:nvCxnSpPr>
           <p:cNvPr id="12" name="Elbow Connector 11"/>
           <p:cNvCxnSpPr>
+            <a:cxnSpLocks/>
             <a:stCxn id="6" idx="1"/>
           </p:cNvCxnSpPr>
           <p:nvPr/>
         </p:nvCxnSpPr>
         <p:spPr>
           <a:xfrm rot="10800000" flipV="1">
-            <a:off x="304800" y="1774500"/>
-            <a:ext cx="228601" cy="3222684"/>
+            <a:off x="332006" y="1774499"/>
+            <a:ext cx="201395" cy="3905399"/>
           </a:xfrm>
           <a:prstGeom prst="bentConnector2">
             <a:avLst/>
@@ -3536,7 +3513,7 @@
         </p:nvCxnSpPr>
         <p:spPr>
           <a:xfrm>
-            <a:off x="1085850" y="5340084"/>
+            <a:off x="1123950" y="6022799"/>
             <a:ext cx="0" cy="527316"/>
           </a:xfrm>
           <a:prstGeom prst="straightConnector1">
@@ -3574,7 +3551,7 @@
         </p:nvCxnSpPr>
         <p:spPr>
           <a:xfrm>
-            <a:off x="304799" y="4997184"/>
+            <a:off x="342899" y="5679899"/>
             <a:ext cx="228601" cy="0"/>
           </a:xfrm>
           <a:prstGeom prst="straightConnector1">
@@ -3625,7 +3602,7 @@
           <a:lstStyle/>
           <a:p>
             <a:r>
-              <a:rPr lang="en-US" sz="1200" dirty="0" smtClean="0"/>
+              <a:rPr lang="en-US" sz="1200" dirty="0"/>
               <a:t>False</a:t>
             </a:r>
           </a:p>
@@ -3639,7 +3616,7 @@
         </p:nvSpPr>
         <p:spPr>
           <a:xfrm>
-            <a:off x="533400" y="4654284"/>
+            <a:off x="571500" y="5336999"/>
             <a:ext cx="1104900" cy="685800"/>
           </a:xfrm>
           <a:prstGeom prst="flowChartDecision">
@@ -3689,7 +3666,7 @@
         </p:nvSpPr>
         <p:spPr>
           <a:xfrm>
-            <a:off x="5887200" y="2818976"/>
+            <a:off x="7092367" y="3729572"/>
             <a:ext cx="1351800" cy="839048"/>
           </a:xfrm>
           <a:prstGeom prst="flowChartDecision">
@@ -3739,7 +3716,7 @@
         </p:nvSpPr>
         <p:spPr>
           <a:xfrm>
-            <a:off x="4572000" y="1431600"/>
+            <a:off x="5712740" y="2334774"/>
             <a:ext cx="1104900" cy="685800"/>
           </a:xfrm>
           <a:prstGeom prst="flowChartDecision">
@@ -3854,7 +3831,7 @@
           <a:lstStyle/>
           <a:p>
             <a:r>
-              <a:rPr lang="en-US" sz="1200" dirty="0" smtClean="0"/>
+              <a:rPr lang="en-US" sz="1200" dirty="0"/>
               <a:t>True</a:t>
             </a:r>
           </a:p>
@@ -3884,22 +3861,17 @@
           <a:p>
             <a:pPr algn="ctr"/>
             <a:r>
-              <a:rPr lang="en-US" sz="900" dirty="0" smtClean="0"/>
+              <a:rPr lang="en-US" sz="900" dirty="0"/>
               <a:t>Source </a:t>
             </a:r>
             <a:r>
-              <a:rPr lang="en-US" sz="900" dirty="0" err="1" smtClean="0"/>
+              <a:rPr lang="en-US" sz="900" dirty="0" err="1"/>
               <a:t>i</a:t>
             </a:r>
             <a:r>
-              <a:rPr lang="en-US" sz="900" dirty="0" smtClean="0"/>
-              <a:t> is </a:t>
-            </a:r>
-            <a:r>
-              <a:rPr lang="en-US" sz="900" dirty="0" smtClean="0"/>
-              <a:t>engaged</a:t>
-            </a:r>
-            <a:endParaRPr lang="en-US" sz="900" dirty="0"/>
+              <a:rPr lang="en-US" sz="900" dirty="0"/>
+              <a:t> is engaged</a:t>
+            </a:r>
           </a:p>
         </p:txBody>
       </p:sp>
@@ -3911,8 +3883,8 @@
         </p:nvSpPr>
         <p:spPr>
           <a:xfrm>
-            <a:off x="3388800" y="1622100"/>
-            <a:ext cx="914400" cy="304800"/>
+            <a:off x="3415107" y="2471710"/>
+            <a:ext cx="1011454" cy="426242"/>
           </a:xfrm>
           <a:prstGeom prst="flowChartProcess">
             <a:avLst/>
@@ -3946,12 +3918,20 @@
           <a:p>
             <a:pPr algn="ctr"/>
             <a:r>
-              <a:rPr lang="en-US" sz="1200" dirty="0" smtClean="0">
+              <a:rPr lang="en-US" sz="1200" dirty="0">
                 <a:solidFill>
                   <a:schemeClr val="tx1"/>
                 </a:solidFill>
               </a:rPr>
-              <a:t>Add Heat</a:t>
+              <a:t>Add Heat from source </a:t>
+            </a:r>
+            <a:r>
+              <a:rPr lang="en-US" sz="1200" dirty="0" err="1">
+                <a:solidFill>
+                  <a:schemeClr val="tx1"/>
+                </a:solidFill>
+              </a:rPr>
+              <a:t>i</a:t>
             </a:r>
             <a:endParaRPr lang="en-US" sz="1200" dirty="0">
               <a:solidFill>
@@ -3969,7 +3949,7 @@
         </p:nvSpPr>
         <p:spPr>
           <a:xfrm>
-            <a:off x="4667250" y="1575434"/>
+            <a:off x="5787684" y="2452609"/>
             <a:ext cx="914400" cy="369332"/>
           </a:xfrm>
           <a:prstGeom prst="rect">
@@ -3985,10 +3965,9 @@
           <a:p>
             <a:pPr algn="ctr"/>
             <a:r>
-              <a:rPr lang="en-US" sz="900" dirty="0" smtClean="0"/>
+              <a:rPr lang="en-US" sz="900" dirty="0"/>
               <a:t>Run time &lt; minutes to run</a:t>
             </a:r>
-            <a:endParaRPr lang="en-US" sz="900" dirty="0"/>
           </a:p>
         </p:txBody>
       </p:sp>
@@ -4000,7 +3979,7 @@
         </p:nvSpPr>
         <p:spPr>
           <a:xfrm>
-            <a:off x="669075" y="4815744"/>
+            <a:off x="707175" y="5498459"/>
             <a:ext cx="847725" cy="400110"/>
           </a:xfrm>
           <a:prstGeom prst="rect">
@@ -4016,10 +3995,9 @@
           <a:p>
             <a:pPr algn="ctr"/>
             <a:r>
-              <a:rPr lang="en-US" sz="1000" dirty="0" smtClean="0"/>
+              <a:rPr lang="en-US" sz="1000" dirty="0"/>
               <a:t>All sources off</a:t>
             </a:r>
-            <a:endParaRPr lang="en-US" sz="1000" dirty="0"/>
           </a:p>
         </p:txBody>
       </p:sp>
@@ -4031,7 +4009,7 @@
         </p:nvSpPr>
         <p:spPr>
           <a:xfrm>
-            <a:off x="2030699" y="4844784"/>
+            <a:off x="2068799" y="5527499"/>
             <a:ext cx="914400" cy="304800"/>
           </a:xfrm>
           <a:prstGeom prst="flowChartProcess">
@@ -4066,7 +4044,7 @@
           <a:p>
             <a:pPr algn="ctr"/>
             <a:r>
-              <a:rPr lang="en-US" sz="1000" dirty="0" err="1" smtClean="0">
+              <a:rPr lang="en-US" sz="1000" dirty="0" err="1">
                 <a:solidFill>
                   <a:schemeClr val="tx1"/>
                 </a:solidFill>
@@ -4074,18 +4052,13 @@
               <a:t>isHeating</a:t>
             </a:r>
             <a:r>
-              <a:rPr lang="en-US" sz="1000" dirty="0" smtClean="0">
+              <a:rPr lang="en-US" sz="1000" dirty="0">
                 <a:solidFill>
                   <a:schemeClr val="tx1"/>
                 </a:solidFill>
               </a:rPr>
               <a:t> = false</a:t>
             </a:r>
-            <a:endParaRPr lang="en-US" sz="1000" dirty="0">
-              <a:solidFill>
-                <a:schemeClr val="tx1"/>
-              </a:solidFill>
-            </a:endParaRPr>
           </a:p>
         </p:txBody>
       </p:sp>
@@ -4097,7 +4070,7 @@
         </p:nvSpPr>
         <p:spPr>
           <a:xfrm>
-            <a:off x="6105900" y="2209800"/>
+            <a:off x="7311067" y="3120396"/>
             <a:ext cx="914400" cy="304800"/>
           </a:xfrm>
           <a:prstGeom prst="flowChartProcess">
@@ -4132,18 +4105,13 @@
           <a:p>
             <a:pPr algn="ctr"/>
             <a:r>
-              <a:rPr lang="en-US" sz="1200" dirty="0" smtClean="0">
+              <a:rPr lang="en-US" sz="1200" dirty="0">
                 <a:solidFill>
                   <a:schemeClr val="tx1"/>
                 </a:solidFill>
               </a:rPr>
               <a:t>disengage</a:t>
             </a:r>
-            <a:endParaRPr lang="en-US" sz="1200" dirty="0">
-              <a:solidFill>
-                <a:schemeClr val="tx1"/>
-              </a:solidFill>
-            </a:endParaRPr>
           </a:p>
         </p:txBody>
       </p:sp>
@@ -4155,7 +4123,7 @@
         </p:nvSpPr>
         <p:spPr>
           <a:xfrm>
-            <a:off x="6104100" y="1622100"/>
+            <a:off x="7309267" y="2532696"/>
             <a:ext cx="914400" cy="304800"/>
           </a:xfrm>
           <a:prstGeom prst="flowChartProcess">
@@ -4190,18 +4158,13 @@
           <a:p>
             <a:pPr algn="ctr"/>
             <a:r>
-              <a:rPr lang="en-US" sz="900" dirty="0" smtClean="0">
+              <a:rPr lang="en-US" sz="900" dirty="0">
                 <a:solidFill>
                   <a:schemeClr val="tx1"/>
                 </a:solidFill>
               </a:rPr>
               <a:t>Minutes to run – run time</a:t>
             </a:r>
-            <a:endParaRPr lang="en-US" sz="900" dirty="0">
-              <a:solidFill>
-                <a:schemeClr val="tx1"/>
-              </a:solidFill>
-            </a:endParaRPr>
           </a:p>
         </p:txBody>
       </p:sp>
@@ -4213,8 +4176,8 @@
         </p:nvSpPr>
         <p:spPr>
           <a:xfrm>
-            <a:off x="6055575" y="3007666"/>
-            <a:ext cx="1011450" cy="461665"/>
+            <a:off x="7258972" y="3862402"/>
+            <a:ext cx="1011450" cy="584775"/>
           </a:xfrm>
           <a:prstGeom prst="rect">
             <a:avLst/>
@@ -4229,31 +4192,19 @@
           <a:p>
             <a:pPr algn="ctr"/>
             <a:r>
-              <a:rPr lang="en-US" sz="800" dirty="0" err="1" smtClean="0"/>
-              <a:t>numSources</a:t>
-            </a:r>
-            <a:r>
-              <a:rPr lang="en-US" sz="800" dirty="0" smtClean="0"/>
-              <a:t> &gt; i+1</a:t>
+              <a:rPr lang="en-US" sz="800" dirty="0"/>
+              <a:t>If followed by source</a:t>
             </a:r>
           </a:p>
           <a:p>
             <a:pPr algn="ctr"/>
             <a:r>
-              <a:rPr lang="en-US" sz="800" dirty="0" smtClean="0"/>
-              <a:t> &amp;&amp;  not </a:t>
-            </a:r>
-            <a:r>
-              <a:rPr lang="en-US" sz="800" dirty="0" err="1" smtClean="0"/>
+              <a:rPr lang="en-US" sz="800" dirty="0"/>
+              <a:t> &amp;&amp;  followed by not </a:t>
+            </a:r>
+            <a:r>
+              <a:rPr lang="en-US" sz="800" dirty="0" err="1"/>
               <a:t>shutsOff</a:t>
-            </a:r>
-            <a:r>
-              <a:rPr lang="en-US" sz="800" dirty="0" smtClean="0"/>
-              <a:t>[</a:t>
-            </a:r>
-            <a:r>
-              <a:rPr lang="en-US" sz="800" dirty="0" smtClean="0"/>
-              <a:t>i+1]</a:t>
             </a:r>
             <a:endParaRPr lang="en-US" sz="800" dirty="0"/>
           </a:p>
@@ -4267,8 +4218,8 @@
         </p:nvSpPr>
         <p:spPr>
           <a:xfrm>
-            <a:off x="7315200" y="3733800"/>
-            <a:ext cx="914400" cy="304800"/>
+            <a:off x="8223667" y="4469248"/>
+            <a:ext cx="914400" cy="483752"/>
           </a:xfrm>
           <a:prstGeom prst="flowChartProcess">
             <a:avLst/>
@@ -4302,37 +4253,24 @@
           <a:p>
             <a:pPr algn="ctr"/>
             <a:r>
-              <a:rPr lang="en-US" sz="900" dirty="0" smtClean="0">
+              <a:rPr lang="en-US" sz="900" dirty="0">
                 <a:solidFill>
                   <a:schemeClr val="tx1"/>
                 </a:solidFill>
               </a:rPr>
-              <a:t>Engage source </a:t>
+              <a:t>Engage</a:t>
             </a:r>
           </a:p>
           <a:p>
             <a:pPr algn="ctr"/>
             <a:r>
-              <a:rPr lang="en-US" sz="900" dirty="0" err="1" smtClean="0">
+              <a:rPr lang="en-US" sz="900" dirty="0">
                 <a:solidFill>
                   <a:schemeClr val="tx1"/>
                 </a:solidFill>
               </a:rPr>
-              <a:t>i</a:t>
-            </a:r>
-            <a:r>
-              <a:rPr lang="en-US" sz="900" dirty="0" smtClean="0">
-                <a:solidFill>
-                  <a:schemeClr val="tx1"/>
-                </a:solidFill>
-              </a:rPr>
-              <a:t> + 1</a:t>
-            </a:r>
-            <a:endParaRPr lang="en-US" sz="900" dirty="0">
-              <a:solidFill>
-                <a:schemeClr val="tx1"/>
-              </a:solidFill>
-            </a:endParaRPr>
+              <a:t>followed by source</a:t>
+            </a:r>
           </a:p>
         </p:txBody>
       </p:sp>
@@ -4344,7 +4282,7 @@
         </p:nvSpPr>
         <p:spPr>
           <a:xfrm>
-            <a:off x="7126801" y="2964416"/>
+            <a:off x="8331968" y="3875012"/>
             <a:ext cx="533399" cy="276999"/>
           </a:xfrm>
           <a:prstGeom prst="rect">
@@ -4359,7 +4297,7 @@
           <a:lstStyle/>
           <a:p>
             <a:r>
-              <a:rPr lang="en-US" sz="1200" dirty="0" smtClean="0"/>
+              <a:rPr lang="en-US" sz="1200" dirty="0"/>
               <a:t>True</a:t>
             </a:r>
           </a:p>
@@ -4373,7 +4311,7 @@
         </p:nvSpPr>
         <p:spPr>
           <a:xfrm>
-            <a:off x="5522401" y="1480800"/>
+            <a:off x="6663465" y="2360276"/>
             <a:ext cx="533399" cy="276999"/>
           </a:xfrm>
           <a:prstGeom prst="rect">
@@ -4388,7 +4326,7 @@
           <a:lstStyle/>
           <a:p>
             <a:r>
-              <a:rPr lang="en-US" sz="1200" dirty="0" smtClean="0"/>
+              <a:rPr lang="en-US" sz="1200" dirty="0"/>
               <a:t>True</a:t>
             </a:r>
           </a:p>
@@ -4402,8 +4340,8 @@
         </p:nvSpPr>
         <p:spPr>
           <a:xfrm>
-            <a:off x="2917200" y="1472934"/>
-            <a:ext cx="533399" cy="276999"/>
+            <a:off x="2917201" y="1476260"/>
+            <a:ext cx="464978" cy="276999"/>
           </a:xfrm>
           <a:prstGeom prst="rect">
             <a:avLst/>
@@ -4417,7 +4355,7 @@
           <a:lstStyle/>
           <a:p>
             <a:r>
-              <a:rPr lang="en-US" sz="1200" dirty="0" smtClean="0"/>
+              <a:rPr lang="en-US" sz="1200" dirty="0"/>
               <a:t>True</a:t>
             </a:r>
           </a:p>
@@ -4431,7 +4369,7 @@
         </p:nvSpPr>
         <p:spPr>
           <a:xfrm>
-            <a:off x="1533301" y="4731600"/>
+            <a:off x="1571401" y="5414315"/>
             <a:ext cx="533399" cy="276999"/>
           </a:xfrm>
           <a:prstGeom prst="rect">
@@ -4446,7 +4384,7 @@
           <a:lstStyle/>
           <a:p>
             <a:r>
-              <a:rPr lang="en-US" sz="1200" dirty="0" smtClean="0"/>
+              <a:rPr lang="en-US" sz="1200" dirty="0"/>
               <a:t>True</a:t>
             </a:r>
           </a:p>
@@ -4460,7 +4398,7 @@
         </p:nvSpPr>
         <p:spPr>
           <a:xfrm>
-            <a:off x="6096000" y="3607624"/>
+            <a:off x="7301167" y="4518220"/>
             <a:ext cx="552450" cy="276999"/>
           </a:xfrm>
           <a:prstGeom prst="rect">
@@ -4475,7 +4413,7 @@
           <a:lstStyle/>
           <a:p>
             <a:r>
-              <a:rPr lang="en-US" sz="1200" dirty="0" smtClean="0"/>
+              <a:rPr lang="en-US" sz="1200" dirty="0"/>
               <a:t>False</a:t>
             </a:r>
           </a:p>
@@ -4489,7 +4427,7 @@
         </p:nvSpPr>
         <p:spPr>
           <a:xfrm>
-            <a:off x="4650750" y="2071108"/>
+            <a:off x="5805722" y="3058185"/>
             <a:ext cx="552450" cy="276999"/>
           </a:xfrm>
           <a:prstGeom prst="rect">
@@ -4504,7 +4442,7 @@
           <a:lstStyle/>
           <a:p>
             <a:r>
-              <a:rPr lang="en-US" sz="1200" dirty="0" smtClean="0"/>
+              <a:rPr lang="en-US" sz="1200" dirty="0"/>
               <a:t>False</a:t>
             </a:r>
           </a:p>
@@ -4533,7 +4471,7 @@
           <a:lstStyle/>
           <a:p>
             <a:r>
-              <a:rPr lang="en-US" sz="1200" dirty="0" smtClean="0"/>
+              <a:rPr lang="en-US" sz="1200" dirty="0"/>
               <a:t>False</a:t>
             </a:r>
           </a:p>
@@ -4547,7 +4485,7 @@
         </p:nvSpPr>
         <p:spPr>
           <a:xfrm>
-            <a:off x="624000" y="5271201"/>
+            <a:off x="662100" y="5953916"/>
             <a:ext cx="552450" cy="276999"/>
           </a:xfrm>
           <a:prstGeom prst="rect">
@@ -4562,7 +4500,7 @@
           <a:lstStyle/>
           <a:p>
             <a:r>
-              <a:rPr lang="en-US" sz="1200" dirty="0" smtClean="0"/>
+              <a:rPr lang="en-US" sz="1200" dirty="0"/>
               <a:t>False</a:t>
             </a:r>
           </a:p>
@@ -4572,15 +4510,15 @@
         <p:nvCxnSpPr>
           <p:cNvPr id="44" name="Straight Arrow Connector 43"/>
           <p:cNvCxnSpPr>
+            <a:cxnSpLocks/>
             <a:stCxn id="20" idx="3"/>
-            <a:endCxn id="24" idx="1"/>
           </p:cNvCxnSpPr>
           <p:nvPr/>
         </p:nvCxnSpPr>
         <p:spPr>
           <a:xfrm>
             <a:off x="3085349" y="1774500"/>
-            <a:ext cx="303451" cy="0"/>
+            <a:ext cx="322800" cy="0"/>
           </a:xfrm>
           <a:prstGeom prst="straightConnector1">
             <a:avLst/>
@@ -4611,15 +4549,16 @@
         <p:nvCxnSpPr>
           <p:cNvPr id="51" name="Straight Arrow Connector 50"/>
           <p:cNvCxnSpPr>
+            <a:cxnSpLocks/>
             <a:stCxn id="24" idx="3"/>
             <a:endCxn id="19" idx="1"/>
           </p:cNvCxnSpPr>
           <p:nvPr/>
         </p:nvCxnSpPr>
         <p:spPr>
-          <a:xfrm>
-            <a:off x="4303200" y="1774500"/>
-            <a:ext cx="268800" cy="0"/>
+          <a:xfrm flipV="1">
+            <a:off x="4426561" y="2677674"/>
+            <a:ext cx="1286179" cy="7157"/>
           </a:xfrm>
           <a:prstGeom prst="straightConnector1">
             <a:avLst/>
@@ -4650,6 +4589,7 @@
         <p:nvCxnSpPr>
           <p:cNvPr id="54" name="Straight Arrow Connector 53"/>
           <p:cNvCxnSpPr>
+            <a:cxnSpLocks/>
             <a:stCxn id="19" idx="3"/>
             <a:endCxn id="29" idx="1"/>
           </p:cNvCxnSpPr>
@@ -4657,8 +4597,8 @@
         </p:nvCxnSpPr>
         <p:spPr>
           <a:xfrm>
-            <a:off x="5676900" y="1774500"/>
-            <a:ext cx="427200" cy="0"/>
+            <a:off x="6817640" y="2677674"/>
+            <a:ext cx="491627" cy="7422"/>
           </a:xfrm>
           <a:prstGeom prst="straightConnector1">
             <a:avLst/>
@@ -4689,14 +4629,13 @@
         <p:nvCxnSpPr>
           <p:cNvPr id="57" name="Straight Arrow Connector 56"/>
           <p:cNvCxnSpPr>
-            <a:stCxn id="29" idx="2"/>
-            <a:endCxn id="28" idx="0"/>
+            <a:cxnSpLocks/>
           </p:cNvCxnSpPr>
           <p:nvPr/>
         </p:nvCxnSpPr>
         <p:spPr>
           <a:xfrm>
-            <a:off x="6561300" y="1926900"/>
+            <a:off x="7762546" y="2837303"/>
             <a:ext cx="1800" cy="282900"/>
           </a:xfrm>
           <a:prstGeom prst="straightConnector1">
@@ -4735,7 +4674,7 @@
         </p:nvCxnSpPr>
         <p:spPr>
           <a:xfrm>
-            <a:off x="6563100" y="2514600"/>
+            <a:off x="7768267" y="3425196"/>
             <a:ext cx="0" cy="304376"/>
           </a:xfrm>
           <a:prstGeom prst="straightConnector1">
@@ -4767,14 +4706,15 @@
         <p:nvCxnSpPr>
           <p:cNvPr id="63" name="Elbow Connector 62"/>
           <p:cNvCxnSpPr>
+            <a:cxnSpLocks/>
             <a:stCxn id="33" idx="2"/>
           </p:cNvCxnSpPr>
           <p:nvPr/>
         </p:nvCxnSpPr>
         <p:spPr>
           <a:xfrm rot="5400000">
-            <a:off x="4262916" y="861534"/>
-            <a:ext cx="332418" cy="6686550"/>
+            <a:off x="4761718" y="1258349"/>
+            <a:ext cx="224498" cy="7613801"/>
           </a:xfrm>
           <a:prstGeom prst="bentConnector2">
             <a:avLst/>
@@ -4844,14 +4784,15 @@
         <p:nvCxnSpPr>
           <p:cNvPr id="68" name="Straight Arrow Connector 67"/>
           <p:cNvCxnSpPr>
+            <a:cxnSpLocks/>
             <a:stCxn id="18" idx="2"/>
           </p:cNvCxnSpPr>
           <p:nvPr/>
         </p:nvCxnSpPr>
         <p:spPr>
-          <a:xfrm>
-            <a:off x="6563100" y="3658024"/>
-            <a:ext cx="0" cy="712994"/>
+          <a:xfrm flipH="1">
+            <a:off x="7762546" y="4568620"/>
+            <a:ext cx="5721" cy="586808"/>
           </a:xfrm>
           <a:prstGeom prst="straightConnector1">
             <a:avLst/>
@@ -4882,6 +4823,7 @@
         <p:nvCxnSpPr>
           <p:cNvPr id="71" name="Elbow Connector 70"/>
           <p:cNvCxnSpPr>
+            <a:cxnSpLocks/>
             <a:stCxn id="18" idx="3"/>
             <a:endCxn id="33" idx="0"/>
           </p:cNvCxnSpPr>
@@ -4889,8 +4831,8 @@
         </p:nvCxnSpPr>
         <p:spPr>
           <a:xfrm>
-            <a:off x="7239000" y="3238500"/>
-            <a:ext cx="533400" cy="495300"/>
+            <a:off x="8444167" y="4149096"/>
+            <a:ext cx="236700" cy="320152"/>
           </a:xfrm>
           <a:prstGeom prst="bentConnector2">
             <a:avLst/>
@@ -4921,14 +4863,15 @@
         <p:nvCxnSpPr>
           <p:cNvPr id="74" name="Straight Arrow Connector 73"/>
           <p:cNvCxnSpPr>
+            <a:cxnSpLocks/>
             <a:stCxn id="20" idx="2"/>
           </p:cNvCxnSpPr>
           <p:nvPr/>
         </p:nvCxnSpPr>
         <p:spPr>
-          <a:xfrm>
-            <a:off x="2532899" y="2117400"/>
-            <a:ext cx="0" cy="2253618"/>
+          <a:xfrm flipH="1">
+            <a:off x="2525999" y="2117400"/>
+            <a:ext cx="6900" cy="3037763"/>
           </a:xfrm>
           <a:prstGeom prst="straightConnector1">
             <a:avLst/>
@@ -4959,14 +4902,15 @@
         <p:nvCxnSpPr>
           <p:cNvPr id="77" name="Straight Arrow Connector 76"/>
           <p:cNvCxnSpPr>
+            <a:cxnSpLocks/>
             <a:stCxn id="19" idx="2"/>
           </p:cNvCxnSpPr>
           <p:nvPr/>
         </p:nvCxnSpPr>
         <p:spPr>
           <a:xfrm>
-            <a:off x="5124450" y="2117400"/>
-            <a:ext cx="0" cy="2253618"/>
+            <a:off x="6265190" y="3020574"/>
+            <a:ext cx="0" cy="2134854"/>
           </a:xfrm>
           <a:prstGeom prst="straightConnector1">
             <a:avLst/>
@@ -5004,7 +4948,7 @@
         </p:nvCxnSpPr>
         <p:spPr>
           <a:xfrm>
-            <a:off x="1638300" y="4997184"/>
+            <a:off x="1676400" y="5679899"/>
             <a:ext cx="392399" cy="0"/>
           </a:xfrm>
           <a:prstGeom prst="straightConnector1">
@@ -5042,7 +4986,7 @@
         </p:nvCxnSpPr>
         <p:spPr>
           <a:xfrm rot="5400000">
-            <a:off x="1600708" y="4634729"/>
+            <a:off x="1638808" y="5317444"/>
             <a:ext cx="372337" cy="1402047"/>
           </a:xfrm>
           <a:prstGeom prst="bentConnector2">
@@ -5113,7 +5057,7 @@
           <a:p>
             <a:pPr algn="ctr"/>
             <a:r>
-              <a:rPr lang="en-US" sz="1200" dirty="0" err="1" smtClean="0">
+              <a:rPr lang="en-US" sz="1200" dirty="0" err="1">
                 <a:solidFill>
                   <a:schemeClr val="tx1"/>
                 </a:solidFill>
@@ -5121,18 +5065,13 @@
               <a:t>i</a:t>
             </a:r>
             <a:r>
-              <a:rPr lang="en-US" sz="1200" dirty="0" smtClean="0">
+              <a:rPr lang="en-US" sz="1200" dirty="0">
                 <a:solidFill>
                   <a:schemeClr val="tx1"/>
                 </a:solidFill>
               </a:rPr>
               <a:t> + 1</a:t>
             </a:r>
-            <a:endParaRPr lang="en-US" sz="1200" dirty="0">
-              <a:solidFill>
-                <a:schemeClr val="tx1"/>
-              </a:solidFill>
-            </a:endParaRPr>
           </a:p>
         </p:txBody>
       </p:sp>
@@ -5140,6 +5079,7 @@
         <p:nvCxnSpPr>
           <p:cNvPr id="99" name="Straight Arrow Connector 98"/>
           <p:cNvCxnSpPr>
+            <a:cxnSpLocks/>
             <a:endCxn id="94" idx="2"/>
           </p:cNvCxnSpPr>
           <p:nvPr/>
@@ -5147,7 +5087,7 @@
         <p:spPr>
           <a:xfrm flipV="1">
             <a:off x="1085850" y="3255316"/>
-            <a:ext cx="4537" cy="1115702"/>
+            <a:ext cx="4537" cy="1899847"/>
           </a:xfrm>
           <a:prstGeom prst="straightConnector1">
             <a:avLst/>
@@ -5197,13 +5137,642 @@
           <a:lstStyle/>
           <a:p>
             <a:r>
-              <a:rPr lang="en-US" dirty="0" smtClean="0"/>
+              <a:rPr lang="en-US" dirty="0"/>
               <a:t>Heating Logic</a:t>
             </a:r>
-            <a:endParaRPr lang="en-US" dirty="0"/>
-          </a:p>
-        </p:txBody>
-      </p:sp>
+          </a:p>
+        </p:txBody>
+      </p:sp>
+      <p:sp>
+        <p:nvSpPr>
+          <p:cNvPr id="23" name="Flowchart: Decision 22">
+            <a:extLst>
+              <a:ext uri="{FF2B5EF4-FFF2-40B4-BE49-F238E27FC236}">
+                <a16:creationId xmlns:a16="http://schemas.microsoft.com/office/drawing/2014/main" id="{4D97FEAB-EBCA-4C6F-AD07-B215178F68FA}"/>
+              </a:ext>
+            </a:extLst>
+          </p:cNvPr>
+          <p:cNvSpPr/>
+          <p:nvPr/>
+        </p:nvSpPr>
+        <p:spPr>
+          <a:xfrm>
+            <a:off x="3365394" y="1431600"/>
+            <a:ext cx="1104900" cy="685800"/>
+          </a:xfrm>
+          <a:prstGeom prst="flowChartDecision">
+            <a:avLst/>
+          </a:prstGeom>
+          <a:noFill/>
+          <a:ln>
+            <a:solidFill>
+              <a:schemeClr val="tx1"/>
+            </a:solidFill>
+          </a:ln>
+        </p:spPr>
+        <p:style>
+          <a:lnRef idx="2">
+            <a:schemeClr val="accent1">
+              <a:shade val="50000"/>
+            </a:schemeClr>
+          </a:lnRef>
+          <a:fillRef idx="1">
+            <a:schemeClr val="accent1"/>
+          </a:fillRef>
+          <a:effectRef idx="0">
+            <a:schemeClr val="accent1"/>
+          </a:effectRef>
+          <a:fontRef idx="minor">
+            <a:schemeClr val="lt1"/>
+          </a:fontRef>
+        </p:style>
+        <p:txBody>
+          <a:bodyPr rtlCol="0" anchor="ctr"/>
+          <a:lstStyle/>
+          <a:p>
+            <a:pPr algn="ctr"/>
+            <a:endParaRPr lang="en-US" dirty="0">
+              <a:solidFill>
+                <a:schemeClr val="tx1"/>
+              </a:solidFill>
+            </a:endParaRPr>
+          </a:p>
+        </p:txBody>
+      </p:sp>
+      <p:sp>
+        <p:nvSpPr>
+          <p:cNvPr id="48" name="TextBox 47">
+            <a:extLst>
+              <a:ext uri="{FF2B5EF4-FFF2-40B4-BE49-F238E27FC236}">
+                <a16:creationId xmlns:a16="http://schemas.microsoft.com/office/drawing/2014/main" id="{386D8343-1CB9-496B-A0B5-6D2E0564CFEC}"/>
+              </a:ext>
+            </a:extLst>
+          </p:cNvPr>
+          <p:cNvSpPr txBox="1"/>
+          <p:nvPr/>
+        </p:nvSpPr>
+        <p:spPr>
+          <a:xfrm>
+            <a:off x="3467550" y="1563533"/>
+            <a:ext cx="838200" cy="369332"/>
+          </a:xfrm>
+          <a:prstGeom prst="rect">
+            <a:avLst/>
+          </a:prstGeom>
+          <a:noFill/>
+        </p:spPr>
+        <p:txBody>
+          <a:bodyPr wrap="square" rtlCol="0">
+            <a:spAutoFit/>
+          </a:bodyPr>
+          <a:lstStyle/>
+          <a:p>
+            <a:pPr algn="ctr"/>
+            <a:r>
+              <a:rPr lang="en-US" sz="900" dirty="0"/>
+              <a:t>Source </a:t>
+            </a:r>
+            <a:r>
+              <a:rPr lang="en-US" sz="900" dirty="0" err="1"/>
+              <a:t>i</a:t>
+            </a:r>
+            <a:r>
+              <a:rPr lang="en-US" sz="900" dirty="0"/>
+              <a:t> is locked out</a:t>
+            </a:r>
+          </a:p>
+        </p:txBody>
+      </p:sp>
+      <p:cxnSp>
+        <p:nvCxnSpPr>
+          <p:cNvPr id="72" name="Straight Arrow Connector 71">
+            <a:extLst>
+              <a:ext uri="{FF2B5EF4-FFF2-40B4-BE49-F238E27FC236}">
+                <a16:creationId xmlns:a16="http://schemas.microsoft.com/office/drawing/2014/main" id="{1A83BC6B-204B-4320-A244-9C84E11BF9F1}"/>
+              </a:ext>
+            </a:extLst>
+          </p:cNvPr>
+          <p:cNvCxnSpPr>
+            <a:cxnSpLocks/>
+            <a:stCxn id="23" idx="2"/>
+            <a:endCxn id="24" idx="0"/>
+          </p:cNvCxnSpPr>
+          <p:nvPr/>
+        </p:nvCxnSpPr>
+        <p:spPr>
+          <a:xfrm>
+            <a:off x="3917844" y="2117400"/>
+            <a:ext cx="2990" cy="354310"/>
+          </a:xfrm>
+          <a:prstGeom prst="straightConnector1">
+            <a:avLst/>
+          </a:prstGeom>
+          <a:ln w="22225">
+            <a:solidFill>
+              <a:schemeClr val="tx1"/>
+            </a:solidFill>
+            <a:tailEnd type="arrow"/>
+          </a:ln>
+        </p:spPr>
+        <p:style>
+          <a:lnRef idx="1">
+            <a:schemeClr val="accent1"/>
+          </a:lnRef>
+          <a:fillRef idx="0">
+            <a:schemeClr val="accent1"/>
+          </a:fillRef>
+          <a:effectRef idx="0">
+            <a:schemeClr val="accent1"/>
+          </a:effectRef>
+          <a:fontRef idx="minor">
+            <a:schemeClr val="tx1"/>
+          </a:fontRef>
+        </p:style>
+      </p:cxnSp>
+      <p:sp>
+        <p:nvSpPr>
+          <p:cNvPr id="61" name="TextBox 60">
+            <a:extLst>
+              <a:ext uri="{FF2B5EF4-FFF2-40B4-BE49-F238E27FC236}">
+                <a16:creationId xmlns:a16="http://schemas.microsoft.com/office/drawing/2014/main" id="{C6406F96-C9BA-4280-8E75-E837CD204F64}"/>
+              </a:ext>
+            </a:extLst>
+          </p:cNvPr>
+          <p:cNvSpPr txBox="1"/>
+          <p:nvPr/>
+        </p:nvSpPr>
+        <p:spPr>
+          <a:xfrm>
+            <a:off x="3420601" y="2036553"/>
+            <a:ext cx="552450" cy="276999"/>
+          </a:xfrm>
+          <a:prstGeom prst="rect">
+            <a:avLst/>
+          </a:prstGeom>
+          <a:noFill/>
+        </p:spPr>
+        <p:txBody>
+          <a:bodyPr wrap="square" rtlCol="0">
+            <a:spAutoFit/>
+          </a:bodyPr>
+          <a:lstStyle/>
+          <a:p>
+            <a:r>
+              <a:rPr lang="en-US" sz="1200" dirty="0"/>
+              <a:t>False</a:t>
+            </a:r>
+          </a:p>
+        </p:txBody>
+      </p:sp>
+      <p:sp>
+        <p:nvSpPr>
+          <p:cNvPr id="67" name="TextBox 66">
+            <a:extLst>
+              <a:ext uri="{FF2B5EF4-FFF2-40B4-BE49-F238E27FC236}">
+                <a16:creationId xmlns:a16="http://schemas.microsoft.com/office/drawing/2014/main" id="{B95C4739-19AD-4552-B7AF-DB2AB91D185D}"/>
+              </a:ext>
+            </a:extLst>
+          </p:cNvPr>
+          <p:cNvSpPr txBox="1"/>
+          <p:nvPr/>
+        </p:nvSpPr>
+        <p:spPr>
+          <a:xfrm>
+            <a:off x="4412223" y="1431600"/>
+            <a:ext cx="464978" cy="276999"/>
+          </a:xfrm>
+          <a:prstGeom prst="rect">
+            <a:avLst/>
+          </a:prstGeom>
+          <a:noFill/>
+        </p:spPr>
+        <p:txBody>
+          <a:bodyPr wrap="square" rtlCol="0">
+            <a:spAutoFit/>
+          </a:bodyPr>
+          <a:lstStyle/>
+          <a:p>
+            <a:r>
+              <a:rPr lang="en-US" sz="1200" dirty="0"/>
+              <a:t>True</a:t>
+            </a:r>
+          </a:p>
+        </p:txBody>
+      </p:sp>
+      <p:cxnSp>
+        <p:nvCxnSpPr>
+          <p:cNvPr id="82" name="Straight Arrow Connector 81">
+            <a:extLst>
+              <a:ext uri="{FF2B5EF4-FFF2-40B4-BE49-F238E27FC236}">
+                <a16:creationId xmlns:a16="http://schemas.microsoft.com/office/drawing/2014/main" id="{AE4E908D-4653-4A14-8401-450C122535A0}"/>
+              </a:ext>
+            </a:extLst>
+          </p:cNvPr>
+          <p:cNvCxnSpPr>
+            <a:cxnSpLocks/>
+            <a:stCxn id="23" idx="3"/>
+            <a:endCxn id="80" idx="1"/>
+          </p:cNvCxnSpPr>
+          <p:nvPr/>
+        </p:nvCxnSpPr>
+        <p:spPr>
+          <a:xfrm flipV="1">
+            <a:off x="4470294" y="1774499"/>
+            <a:ext cx="273611" cy="1"/>
+          </a:xfrm>
+          <a:prstGeom prst="straightConnector1">
+            <a:avLst/>
+          </a:prstGeom>
+          <a:ln w="22225">
+            <a:solidFill>
+              <a:schemeClr val="tx1"/>
+            </a:solidFill>
+            <a:tailEnd type="arrow"/>
+          </a:ln>
+        </p:spPr>
+        <p:style>
+          <a:lnRef idx="1">
+            <a:schemeClr val="accent1"/>
+          </a:lnRef>
+          <a:fillRef idx="0">
+            <a:schemeClr val="accent1"/>
+          </a:fillRef>
+          <a:effectRef idx="0">
+            <a:schemeClr val="accent1"/>
+          </a:effectRef>
+          <a:fontRef idx="minor">
+            <a:schemeClr val="tx1"/>
+          </a:fontRef>
+        </p:style>
+      </p:cxnSp>
+      <p:sp>
+        <p:nvSpPr>
+          <p:cNvPr id="80" name="Flowchart: Decision 79">
+            <a:extLst>
+              <a:ext uri="{FF2B5EF4-FFF2-40B4-BE49-F238E27FC236}">
+                <a16:creationId xmlns:a16="http://schemas.microsoft.com/office/drawing/2014/main" id="{B2CC0DC3-2EF3-477D-8692-3A240B1D80C6}"/>
+              </a:ext>
+            </a:extLst>
+          </p:cNvPr>
+          <p:cNvSpPr/>
+          <p:nvPr/>
+        </p:nvSpPr>
+        <p:spPr>
+          <a:xfrm>
+            <a:off x="4743905" y="1363361"/>
+            <a:ext cx="1104900" cy="822275"/>
+          </a:xfrm>
+          <a:prstGeom prst="flowChartDecision">
+            <a:avLst/>
+          </a:prstGeom>
+          <a:noFill/>
+          <a:ln>
+            <a:solidFill>
+              <a:schemeClr val="tx1"/>
+            </a:solidFill>
+          </a:ln>
+        </p:spPr>
+        <p:style>
+          <a:lnRef idx="2">
+            <a:schemeClr val="accent1">
+              <a:shade val="50000"/>
+            </a:schemeClr>
+          </a:lnRef>
+          <a:fillRef idx="1">
+            <a:schemeClr val="accent1"/>
+          </a:fillRef>
+          <a:effectRef idx="0">
+            <a:schemeClr val="accent1"/>
+          </a:effectRef>
+          <a:fontRef idx="minor">
+            <a:schemeClr val="lt1"/>
+          </a:fontRef>
+        </p:style>
+        <p:txBody>
+          <a:bodyPr rtlCol="0" anchor="ctr"/>
+          <a:lstStyle/>
+          <a:p>
+            <a:pPr algn="ctr"/>
+            <a:endParaRPr lang="en-US" dirty="0">
+              <a:solidFill>
+                <a:schemeClr val="tx1"/>
+              </a:solidFill>
+            </a:endParaRPr>
+          </a:p>
+        </p:txBody>
+      </p:sp>
+      <p:sp>
+        <p:nvSpPr>
+          <p:cNvPr id="84" name="TextBox 83">
+            <a:extLst>
+              <a:ext uri="{FF2B5EF4-FFF2-40B4-BE49-F238E27FC236}">
+                <a16:creationId xmlns:a16="http://schemas.microsoft.com/office/drawing/2014/main" id="{7BEA07C7-6C2A-42FF-A802-8F3232918875}"/>
+              </a:ext>
+            </a:extLst>
+          </p:cNvPr>
+          <p:cNvSpPr txBox="1"/>
+          <p:nvPr/>
+        </p:nvSpPr>
+        <p:spPr>
+          <a:xfrm>
+            <a:off x="4849485" y="1506358"/>
+            <a:ext cx="892864" cy="646331"/>
+          </a:xfrm>
+          <a:prstGeom prst="rect">
+            <a:avLst/>
+          </a:prstGeom>
+          <a:noFill/>
+        </p:spPr>
+        <p:txBody>
+          <a:bodyPr wrap="square" rtlCol="0">
+            <a:spAutoFit/>
+          </a:bodyPr>
+          <a:lstStyle/>
+          <a:p>
+            <a:pPr algn="ctr"/>
+            <a:r>
+              <a:rPr lang="en-US" sz="900" dirty="0"/>
+              <a:t>Source </a:t>
+            </a:r>
+            <a:r>
+              <a:rPr lang="en-US" sz="900" dirty="0" err="1"/>
+              <a:t>i</a:t>
+            </a:r>
+            <a:r>
+              <a:rPr lang="en-US" sz="900" dirty="0"/>
+              <a:t> has backup source &amp;&amp; it is not locked</a:t>
+            </a:r>
+          </a:p>
+        </p:txBody>
+      </p:sp>
+      <p:cxnSp>
+        <p:nvCxnSpPr>
+          <p:cNvPr id="98" name="Straight Arrow Connector 97">
+            <a:extLst>
+              <a:ext uri="{FF2B5EF4-FFF2-40B4-BE49-F238E27FC236}">
+                <a16:creationId xmlns:a16="http://schemas.microsoft.com/office/drawing/2014/main" id="{1CDD16C3-E73F-40E8-8C6E-5B4AA7903345}"/>
+              </a:ext>
+            </a:extLst>
+          </p:cNvPr>
+          <p:cNvCxnSpPr>
+            <a:cxnSpLocks/>
+            <a:stCxn id="80" idx="2"/>
+          </p:cNvCxnSpPr>
+          <p:nvPr/>
+        </p:nvCxnSpPr>
+        <p:spPr>
+          <a:xfrm>
+            <a:off x="5296355" y="2185636"/>
+            <a:ext cx="0" cy="2969527"/>
+          </a:xfrm>
+          <a:prstGeom prst="straightConnector1">
+            <a:avLst/>
+          </a:prstGeom>
+          <a:ln w="22225">
+            <a:solidFill>
+              <a:schemeClr val="tx1"/>
+            </a:solidFill>
+            <a:tailEnd type="arrow"/>
+          </a:ln>
+        </p:spPr>
+        <p:style>
+          <a:lnRef idx="1">
+            <a:schemeClr val="accent1"/>
+          </a:lnRef>
+          <a:fillRef idx="0">
+            <a:schemeClr val="accent1"/>
+          </a:fillRef>
+          <a:effectRef idx="0">
+            <a:schemeClr val="accent1"/>
+          </a:effectRef>
+          <a:fontRef idx="minor">
+            <a:schemeClr val="tx1"/>
+          </a:fontRef>
+        </p:style>
+      </p:cxnSp>
+      <p:sp>
+        <p:nvSpPr>
+          <p:cNvPr id="100" name="TextBox 99">
+            <a:extLst>
+              <a:ext uri="{FF2B5EF4-FFF2-40B4-BE49-F238E27FC236}">
+                <a16:creationId xmlns:a16="http://schemas.microsoft.com/office/drawing/2014/main" id="{9CE548FE-9268-470B-9B5F-6EEFC3F783C3}"/>
+              </a:ext>
+            </a:extLst>
+          </p:cNvPr>
+          <p:cNvSpPr txBox="1"/>
+          <p:nvPr/>
+        </p:nvSpPr>
+        <p:spPr>
+          <a:xfrm>
+            <a:off x="4849485" y="2088087"/>
+            <a:ext cx="552450" cy="276999"/>
+          </a:xfrm>
+          <a:prstGeom prst="rect">
+            <a:avLst/>
+          </a:prstGeom>
+          <a:noFill/>
+        </p:spPr>
+        <p:txBody>
+          <a:bodyPr wrap="square" rtlCol="0">
+            <a:spAutoFit/>
+          </a:bodyPr>
+          <a:lstStyle/>
+          <a:p>
+            <a:r>
+              <a:rPr lang="en-US" sz="1200" dirty="0"/>
+              <a:t>False</a:t>
+            </a:r>
+          </a:p>
+        </p:txBody>
+      </p:sp>
+      <p:sp>
+        <p:nvSpPr>
+          <p:cNvPr id="101" name="TextBox 100">
+            <a:extLst>
+              <a:ext uri="{FF2B5EF4-FFF2-40B4-BE49-F238E27FC236}">
+                <a16:creationId xmlns:a16="http://schemas.microsoft.com/office/drawing/2014/main" id="{6016BFDC-79CD-40CA-94F8-E8573769CC9D}"/>
+              </a:ext>
+            </a:extLst>
+          </p:cNvPr>
+          <p:cNvSpPr txBox="1"/>
+          <p:nvPr/>
+        </p:nvSpPr>
+        <p:spPr>
+          <a:xfrm>
+            <a:off x="5797686" y="1461809"/>
+            <a:ext cx="464978" cy="276999"/>
+          </a:xfrm>
+          <a:prstGeom prst="rect">
+            <a:avLst/>
+          </a:prstGeom>
+          <a:noFill/>
+        </p:spPr>
+        <p:txBody>
+          <a:bodyPr wrap="square" rtlCol="0">
+            <a:spAutoFit/>
+          </a:bodyPr>
+          <a:lstStyle/>
+          <a:p>
+            <a:r>
+              <a:rPr lang="en-US" sz="1200" dirty="0"/>
+              <a:t>True</a:t>
+            </a:r>
+          </a:p>
+        </p:txBody>
+      </p:sp>
+      <p:cxnSp>
+        <p:nvCxnSpPr>
+          <p:cNvPr id="102" name="Straight Arrow Connector 101">
+            <a:extLst>
+              <a:ext uri="{FF2B5EF4-FFF2-40B4-BE49-F238E27FC236}">
+                <a16:creationId xmlns:a16="http://schemas.microsoft.com/office/drawing/2014/main" id="{6E377581-9F3C-42E5-8CDC-AE16521A1945}"/>
+              </a:ext>
+            </a:extLst>
+          </p:cNvPr>
+          <p:cNvCxnSpPr>
+            <a:cxnSpLocks/>
+            <a:stCxn id="80" idx="3"/>
+            <a:endCxn id="118" idx="1"/>
+          </p:cNvCxnSpPr>
+          <p:nvPr/>
+        </p:nvCxnSpPr>
+        <p:spPr>
+          <a:xfrm>
+            <a:off x="5848805" y="1774499"/>
+            <a:ext cx="500807" cy="1378"/>
+          </a:xfrm>
+          <a:prstGeom prst="straightConnector1">
+            <a:avLst/>
+          </a:prstGeom>
+          <a:ln w="22225">
+            <a:solidFill>
+              <a:schemeClr val="tx1"/>
+            </a:solidFill>
+            <a:tailEnd type="arrow"/>
+          </a:ln>
+        </p:spPr>
+        <p:style>
+          <a:lnRef idx="1">
+            <a:schemeClr val="accent1"/>
+          </a:lnRef>
+          <a:fillRef idx="0">
+            <a:schemeClr val="accent1"/>
+          </a:fillRef>
+          <a:effectRef idx="0">
+            <a:schemeClr val="accent1"/>
+          </a:effectRef>
+          <a:fontRef idx="minor">
+            <a:schemeClr val="tx1"/>
+          </a:fontRef>
+        </p:style>
+      </p:cxnSp>
+      <p:sp>
+        <p:nvSpPr>
+          <p:cNvPr id="118" name="Flowchart: Process 117">
+            <a:extLst>
+              <a:ext uri="{FF2B5EF4-FFF2-40B4-BE49-F238E27FC236}">
+                <a16:creationId xmlns:a16="http://schemas.microsoft.com/office/drawing/2014/main" id="{89307D0E-F783-4004-A0C3-9FF51B3AB657}"/>
+              </a:ext>
+            </a:extLst>
+          </p:cNvPr>
+          <p:cNvSpPr/>
+          <p:nvPr/>
+        </p:nvSpPr>
+        <p:spPr>
+          <a:xfrm>
+            <a:off x="6349612" y="1557214"/>
+            <a:ext cx="1104899" cy="437325"/>
+          </a:xfrm>
+          <a:prstGeom prst="flowChartProcess">
+            <a:avLst/>
+          </a:prstGeom>
+          <a:noFill/>
+          <a:ln>
+            <a:solidFill>
+              <a:schemeClr val="tx1"/>
+            </a:solidFill>
+          </a:ln>
+        </p:spPr>
+        <p:style>
+          <a:lnRef idx="2">
+            <a:schemeClr val="accent1">
+              <a:shade val="50000"/>
+            </a:schemeClr>
+          </a:lnRef>
+          <a:fillRef idx="1">
+            <a:schemeClr val="accent1"/>
+          </a:fillRef>
+          <a:effectRef idx="0">
+            <a:schemeClr val="accent1"/>
+          </a:effectRef>
+          <a:fontRef idx="minor">
+            <a:schemeClr val="lt1"/>
+          </a:fontRef>
+        </p:style>
+        <p:txBody>
+          <a:bodyPr rtlCol="0" anchor="ctr"/>
+          <a:lstStyle/>
+          <a:p>
+            <a:pPr algn="ctr"/>
+            <a:r>
+              <a:rPr lang="en-US" sz="1200" dirty="0">
+                <a:solidFill>
+                  <a:schemeClr val="tx1"/>
+                </a:solidFill>
+              </a:rPr>
+              <a:t>Add Heat from backup</a:t>
+            </a:r>
+          </a:p>
+        </p:txBody>
+      </p:sp>
+      <p:cxnSp>
+        <p:nvCxnSpPr>
+          <p:cNvPr id="156" name="Elbow Connector 62">
+            <a:extLst>
+              <a:ext uri="{FF2B5EF4-FFF2-40B4-BE49-F238E27FC236}">
+                <a16:creationId xmlns:a16="http://schemas.microsoft.com/office/drawing/2014/main" id="{7DB5482D-137F-4B2B-915D-91BA198C78C6}"/>
+              </a:ext>
+            </a:extLst>
+          </p:cNvPr>
+          <p:cNvCxnSpPr>
+            <a:cxnSpLocks/>
+            <a:stCxn id="118" idx="2"/>
+            <a:endCxn id="19" idx="0"/>
+          </p:cNvCxnSpPr>
+          <p:nvPr/>
+        </p:nvCxnSpPr>
+        <p:spPr>
+          <a:xfrm rot="5400000">
+            <a:off x="6413509" y="1846220"/>
+            <a:ext cx="340235" cy="636872"/>
+          </a:xfrm>
+          <a:prstGeom prst="bentConnector3">
+            <a:avLst>
+              <a:gd name="adj1" fmla="val 50000"/>
+            </a:avLst>
+          </a:prstGeom>
+          <a:ln w="22225">
+            <a:solidFill>
+              <a:schemeClr val="tx1"/>
+            </a:solidFill>
+            <a:tailEnd type="arrow"/>
+          </a:ln>
+        </p:spPr>
+        <p:style>
+          <a:lnRef idx="1">
+            <a:schemeClr val="accent1"/>
+          </a:lnRef>
+          <a:fillRef idx="0">
+            <a:schemeClr val="accent1"/>
+          </a:fillRef>
+          <a:effectRef idx="0">
+            <a:schemeClr val="accent1"/>
+          </a:effectRef>
+          <a:fontRef idx="minor">
+            <a:schemeClr val="tx1"/>
+          </a:fontRef>
+        </p:style>
+      </p:cxnSp>
     </p:spTree>
     <p:extLst>
       <p:ext uri="{BB962C8B-B14F-4D97-AF65-F5344CB8AC3E}">

--- a/doc/newHeatingLogic.pptx
+++ b/doc/newHeatingLogic.pptx
@@ -302,7 +302,7 @@
           <a:p>
             <a:fld id="{16D24FFA-7EA2-4A26-BD0A-D95AA635ED47}" type="datetimeFigureOut">
               <a:rPr lang="en-US" smtClean="0"/>
-              <a:t>10/7/2020</a:t>
+              <a:t>10/15/2020</a:t>
             </a:fld>
             <a:endParaRPr lang="en-US"/>
           </a:p>
@@ -470,7 +470,7 @@
           <a:p>
             <a:fld id="{16D24FFA-7EA2-4A26-BD0A-D95AA635ED47}" type="datetimeFigureOut">
               <a:rPr lang="en-US" smtClean="0"/>
-              <a:t>10/7/2020</a:t>
+              <a:t>10/15/2020</a:t>
             </a:fld>
             <a:endParaRPr lang="en-US"/>
           </a:p>
@@ -648,7 +648,7 @@
           <a:p>
             <a:fld id="{16D24FFA-7EA2-4A26-BD0A-D95AA635ED47}" type="datetimeFigureOut">
               <a:rPr lang="en-US" smtClean="0"/>
-              <a:t>10/7/2020</a:t>
+              <a:t>10/15/2020</a:t>
             </a:fld>
             <a:endParaRPr lang="en-US"/>
           </a:p>
@@ -816,7 +816,7 @@
           <a:p>
             <a:fld id="{16D24FFA-7EA2-4A26-BD0A-D95AA635ED47}" type="datetimeFigureOut">
               <a:rPr lang="en-US" smtClean="0"/>
-              <a:t>10/7/2020</a:t>
+              <a:t>10/15/2020</a:t>
             </a:fld>
             <a:endParaRPr lang="en-US"/>
           </a:p>
@@ -1061,7 +1061,7 @@
           <a:p>
             <a:fld id="{16D24FFA-7EA2-4A26-BD0A-D95AA635ED47}" type="datetimeFigureOut">
               <a:rPr lang="en-US" smtClean="0"/>
-              <a:t>10/7/2020</a:t>
+              <a:t>10/15/2020</a:t>
             </a:fld>
             <a:endParaRPr lang="en-US"/>
           </a:p>
@@ -1346,7 +1346,7 @@
           <a:p>
             <a:fld id="{16D24FFA-7EA2-4A26-BD0A-D95AA635ED47}" type="datetimeFigureOut">
               <a:rPr lang="en-US" smtClean="0"/>
-              <a:t>10/7/2020</a:t>
+              <a:t>10/15/2020</a:t>
             </a:fld>
             <a:endParaRPr lang="en-US"/>
           </a:p>
@@ -1765,7 +1765,7 @@
           <a:p>
             <a:fld id="{16D24FFA-7EA2-4A26-BD0A-D95AA635ED47}" type="datetimeFigureOut">
               <a:rPr lang="en-US" smtClean="0"/>
-              <a:t>10/7/2020</a:t>
+              <a:t>10/15/2020</a:t>
             </a:fld>
             <a:endParaRPr lang="en-US"/>
           </a:p>
@@ -1882,7 +1882,7 @@
           <a:p>
             <a:fld id="{16D24FFA-7EA2-4A26-BD0A-D95AA635ED47}" type="datetimeFigureOut">
               <a:rPr lang="en-US" smtClean="0"/>
-              <a:t>10/7/2020</a:t>
+              <a:t>10/15/2020</a:t>
             </a:fld>
             <a:endParaRPr lang="en-US"/>
           </a:p>
@@ -1977,7 +1977,7 @@
           <a:p>
             <a:fld id="{16D24FFA-7EA2-4A26-BD0A-D95AA635ED47}" type="datetimeFigureOut">
               <a:rPr lang="en-US" smtClean="0"/>
-              <a:t>10/7/2020</a:t>
+              <a:t>10/15/2020</a:t>
             </a:fld>
             <a:endParaRPr lang="en-US"/>
           </a:p>
@@ -2252,7 +2252,7 @@
           <a:p>
             <a:fld id="{16D24FFA-7EA2-4A26-BD0A-D95AA635ED47}" type="datetimeFigureOut">
               <a:rPr lang="en-US" smtClean="0"/>
-              <a:t>10/7/2020</a:t>
+              <a:t>10/15/2020</a:t>
             </a:fld>
             <a:endParaRPr lang="en-US"/>
           </a:p>
@@ -2504,7 +2504,7 @@
           <a:p>
             <a:fld id="{16D24FFA-7EA2-4A26-BD0A-D95AA635ED47}" type="datetimeFigureOut">
               <a:rPr lang="en-US" smtClean="0"/>
-              <a:t>10/7/2020</a:t>
+              <a:t>10/15/2020</a:t>
             </a:fld>
             <a:endParaRPr lang="en-US"/>
           </a:p>
@@ -2715,7 +2715,7 @@
           <a:p>
             <a:fld id="{16D24FFA-7EA2-4A26-BD0A-D95AA635ED47}" type="datetimeFigureOut">
               <a:rPr lang="en-US" smtClean="0"/>
-              <a:t>10/7/2020</a:t>
+              <a:t>10/15/2020</a:t>
             </a:fld>
             <a:endParaRPr lang="en-US"/>
           </a:p>
@@ -5377,8 +5377,8 @@
         </p:nvCxnSpPr>
         <p:spPr>
           <a:xfrm flipV="1">
-            <a:off x="4470294" y="1774499"/>
-            <a:ext cx="273611" cy="1"/>
+            <a:off x="4470294" y="1771362"/>
+            <a:ext cx="273611" cy="3138"/>
           </a:xfrm>
           <a:prstGeom prst="straightConnector1">
             <a:avLst/>
@@ -5419,33 +5419,26 @@
         </p:nvSpPr>
         <p:spPr>
           <a:xfrm>
-            <a:off x="4743905" y="1363361"/>
-            <a:ext cx="1104900" cy="822275"/>
+            <a:off x="4743905" y="1183192"/>
+            <a:ext cx="1104900" cy="1176339"/>
           </a:xfrm>
           <a:prstGeom prst="flowChartDecision">
             <a:avLst/>
           </a:prstGeom>
-          <a:noFill/>
-          <a:ln>
-            <a:solidFill>
-              <a:schemeClr val="tx1"/>
-            </a:solidFill>
-          </a:ln>
+          <a:ln/>
         </p:spPr>
         <p:style>
           <a:lnRef idx="2">
-            <a:schemeClr val="accent1">
-              <a:shade val="50000"/>
-            </a:schemeClr>
+            <a:schemeClr val="accent3"/>
           </a:lnRef>
           <a:fillRef idx="1">
-            <a:schemeClr val="accent1"/>
+            <a:schemeClr val="lt1"/>
           </a:fillRef>
           <a:effectRef idx="0">
-            <a:schemeClr val="accent1"/>
+            <a:schemeClr val="accent3"/>
           </a:effectRef>
           <a:fontRef idx="minor">
-            <a:schemeClr val="lt1"/>
+            <a:schemeClr val="dk1"/>
           </a:fontRef>
         </p:style>
         <p:txBody>
@@ -5475,8 +5468,8 @@
         </p:nvSpPr>
         <p:spPr>
           <a:xfrm>
-            <a:off x="4849485" y="1506358"/>
-            <a:ext cx="892864" cy="646331"/>
+            <a:off x="4858507" y="1397398"/>
+            <a:ext cx="892864" cy="784830"/>
           </a:xfrm>
           <a:prstGeom prst="rect">
             <a:avLst/>
@@ -5500,8 +5493,13 @@
             </a:r>
             <a:r>
               <a:rPr lang="en-US" sz="900" dirty="0"/>
-              <a:t> has backup source &amp;&amp; it is not locked</a:t>
-            </a:r>
+              <a:t> has backup source &amp;&amp; it is not locked or DR </a:t>
+            </a:r>
+            <a:r>
+              <a:rPr lang="en-US" sz="900" dirty="0" err="1"/>
+              <a:t>lockedout</a:t>
+            </a:r>
+            <a:endParaRPr lang="en-US" sz="900" dirty="0"/>
           </a:p>
         </p:txBody>
       </p:sp>
@@ -5522,8 +5520,8 @@
         </p:nvCxnSpPr>
         <p:spPr>
           <a:xfrm>
-            <a:off x="5296355" y="2185636"/>
-            <a:ext cx="0" cy="2969527"/>
+            <a:off x="5296355" y="2359531"/>
+            <a:ext cx="0" cy="2759624"/>
           </a:xfrm>
           <a:prstGeom prst="straightConnector1">
             <a:avLst/>
@@ -5564,7 +5562,7 @@
         </p:nvSpPr>
         <p:spPr>
           <a:xfrm>
-            <a:off x="4849485" y="2088087"/>
+            <a:off x="4849807" y="2341815"/>
             <a:ext cx="552450" cy="276999"/>
           </a:xfrm>
           <a:prstGeom prst="rect">
@@ -5638,8 +5636,8 @@
         </p:nvCxnSpPr>
         <p:spPr>
           <a:xfrm>
-            <a:off x="5848805" y="1774499"/>
-            <a:ext cx="500807" cy="1378"/>
+            <a:off x="5848805" y="1771362"/>
+            <a:ext cx="500807" cy="4515"/>
           </a:xfrm>
           <a:prstGeom prst="straightConnector1">
             <a:avLst/>

--- a/doc/newHeatingLogic.pptx
+++ b/doc/newHeatingLogic.pptx
@@ -3716,7 +3716,7 @@
         </p:nvSpPr>
         <p:spPr>
           <a:xfrm>
-            <a:off x="5712740" y="2334774"/>
+            <a:off x="5884376" y="2334774"/>
             <a:ext cx="1104900" cy="685800"/>
           </a:xfrm>
           <a:prstGeom prst="flowChartDecision">
@@ -3949,7 +3949,7 @@
         </p:nvSpPr>
         <p:spPr>
           <a:xfrm>
-            <a:off x="5787684" y="2452609"/>
+            <a:off x="5979626" y="2476947"/>
             <a:ext cx="914400" cy="369332"/>
           </a:xfrm>
           <a:prstGeom prst="rect">
@@ -4311,7 +4311,7 @@
         </p:nvSpPr>
         <p:spPr>
           <a:xfrm>
-            <a:off x="6663465" y="2360276"/>
+            <a:off x="6825667" y="2416437"/>
             <a:ext cx="533399" cy="276999"/>
           </a:xfrm>
           <a:prstGeom prst="rect">
@@ -4427,7 +4427,7 @@
         </p:nvSpPr>
         <p:spPr>
           <a:xfrm>
-            <a:off x="5805722" y="3058185"/>
+            <a:off x="5968659" y="3067821"/>
             <a:ext cx="552450" cy="276999"/>
           </a:xfrm>
           <a:prstGeom prst="rect">
@@ -4558,7 +4558,7 @@
         <p:spPr>
           <a:xfrm flipV="1">
             <a:off x="4426561" y="2677674"/>
-            <a:ext cx="1286179" cy="7157"/>
+            <a:ext cx="1457815" cy="7157"/>
           </a:xfrm>
           <a:prstGeom prst="straightConnector1">
             <a:avLst/>
@@ -4597,8 +4597,8 @@
         </p:nvCxnSpPr>
         <p:spPr>
           <a:xfrm>
-            <a:off x="6817640" y="2677674"/>
-            <a:ext cx="491627" cy="7422"/>
+            <a:off x="6989276" y="2677674"/>
+            <a:ext cx="319991" cy="7422"/>
           </a:xfrm>
           <a:prstGeom prst="straightConnector1">
             <a:avLst/>
@@ -4909,7 +4909,7 @@
         </p:nvCxnSpPr>
         <p:spPr>
           <a:xfrm>
-            <a:off x="6265190" y="3020574"/>
+            <a:off x="6436826" y="3020574"/>
             <a:ext cx="0" cy="2134854"/>
           </a:xfrm>
           <a:prstGeom prst="straightConnector1">
@@ -5562,7 +5562,7 @@
         </p:nvSpPr>
         <p:spPr>
           <a:xfrm>
-            <a:off x="4849807" y="2341815"/>
+            <a:off x="4849374" y="2286932"/>
             <a:ext cx="552450" cy="276999"/>
           </a:xfrm>
           <a:prstGeom prst="rect">
@@ -5597,7 +5597,7 @@
         </p:nvSpPr>
         <p:spPr>
           <a:xfrm>
-            <a:off x="5797686" y="1461809"/>
+            <a:off x="5730918" y="1495932"/>
             <a:ext cx="464978" cy="276999"/>
           </a:xfrm>
           <a:prstGeom prst="rect">
@@ -5637,7 +5637,7 @@
         <p:spPr>
           <a:xfrm>
             <a:off x="5848805" y="1771362"/>
-            <a:ext cx="500807" cy="4515"/>
+            <a:ext cx="1243562" cy="4515"/>
           </a:xfrm>
           <a:prstGeom prst="straightConnector1">
             <a:avLst/>
@@ -5678,7 +5678,7 @@
         </p:nvSpPr>
         <p:spPr>
           <a:xfrm>
-            <a:off x="6349612" y="1557214"/>
+            <a:off x="7092367" y="1557214"/>
             <a:ext cx="1104899" cy="437325"/>
           </a:xfrm>
           <a:prstGeom prst="flowChartProcess">
@@ -5741,8 +5741,8 @@
         </p:nvCxnSpPr>
         <p:spPr>
           <a:xfrm rot="5400000">
-            <a:off x="6413509" y="1846220"/>
-            <a:ext cx="340235" cy="636872"/>
+            <a:off x="6870705" y="1560661"/>
+            <a:ext cx="340235" cy="1207991"/>
           </a:xfrm>
           <a:prstGeom prst="bentConnector3">
             <a:avLst>
